--- a/hackathon-presentation.pptx
+++ b/hackathon-presentation.pptx
@@ -5,10 +5,10 @@
     <p:sldMasterId id="2147483648" r:id="rId4"/>
   </p:sldMasterIdLst>
   <p:notesMasterIdLst>
-    <p:notesMasterId r:id="rId13"/>
+    <p:notesMasterId r:id="rId14"/>
   </p:notesMasterIdLst>
   <p:handoutMasterIdLst>
-    <p:handoutMasterId r:id="rId14"/>
+    <p:handoutMasterId r:id="rId15"/>
   </p:handoutMasterIdLst>
   <p:sldIdLst>
     <p:sldId id="2435" r:id="rId5"/>
@@ -19,6 +19,7 @@
     <p:sldId id="2444" r:id="rId10"/>
     <p:sldId id="2445" r:id="rId11"/>
     <p:sldId id="2446" r:id="rId12"/>
+    <p:sldId id="2447" r:id="rId13"/>
   </p:sldIdLst>
   <p:sldSz cx="12192000" cy="6858000"/>
   <p:notesSz cx="6858000" cy="9144000"/>
@@ -3427,7 +3428,7 @@
           </a:ln>
           <a:extLst>
             <a:ext uri="{C572A759-6A51-4108-AA02-DFA0A04FC94B}">
-              <ma14:wrappingTextBoxFlag xmlns:ma14="http://schemas.microsoft.com/office/mac/drawingml/2011/main" xmlns="" val="1"/>
+              <ma14:wrappingTextBoxFlag xmlns="" xmlns:ma14="http://schemas.microsoft.com/office/mac/drawingml/2011/main" val="1"/>
             </a:ext>
           </a:extLst>
         </p:spPr>
@@ -4534,7 +4535,7 @@
           </a:ln>
           <a:extLst>
             <a:ext uri="{C572A759-6A51-4108-AA02-DFA0A04FC94B}">
-              <ma14:wrappingTextBoxFlag xmlns:ma14="http://schemas.microsoft.com/office/mac/drawingml/2011/main" xmlns="" val="1"/>
+              <ma14:wrappingTextBoxFlag xmlns="" xmlns:ma14="http://schemas.microsoft.com/office/mac/drawingml/2011/main" val="1"/>
             </a:ext>
           </a:extLst>
         </p:spPr>
@@ -9199,92 +9200,6 @@
           </a:p>
         </p:txBody>
       </p:sp>
-      <p:cxnSp>
-        <p:nvCxnSpPr>
-          <p:cNvPr id="22" name="Straight Arrow Connector 21">
-            <a:extLst>
-              <a:ext uri="{FF2B5EF4-FFF2-40B4-BE49-F238E27FC236}">
-                <a16:creationId xmlns:a16="http://schemas.microsoft.com/office/drawing/2014/main" id="{C01ED94F-CAC8-4984-BB0B-DCED9B5DBAA4}"/>
-              </a:ext>
-            </a:extLst>
-          </p:cNvPr>
-          <p:cNvCxnSpPr/>
-          <p:nvPr/>
-        </p:nvCxnSpPr>
-        <p:spPr>
-          <a:xfrm>
-            <a:off x="6913983" y="5475018"/>
-            <a:ext cx="1660849" cy="0"/>
-          </a:xfrm>
-          <a:prstGeom prst="straightConnector1">
-            <a:avLst/>
-          </a:prstGeom>
-          <a:ln w="38100">
-            <a:solidFill>
-              <a:schemeClr val="tx1"/>
-            </a:solidFill>
-            <a:headEnd type="triangle"/>
-            <a:tailEnd type="triangle"/>
-          </a:ln>
-        </p:spPr>
-        <p:style>
-          <a:lnRef idx="1">
-            <a:schemeClr val="accent1"/>
-          </a:lnRef>
-          <a:fillRef idx="0">
-            <a:schemeClr val="accent1"/>
-          </a:fillRef>
-          <a:effectRef idx="0">
-            <a:schemeClr val="accent1"/>
-          </a:effectRef>
-          <a:fontRef idx="minor">
-            <a:schemeClr val="tx1"/>
-          </a:fontRef>
-        </p:style>
-      </p:cxnSp>
-      <p:cxnSp>
-        <p:nvCxnSpPr>
-          <p:cNvPr id="24" name="Straight Arrow Connector 23">
-            <a:extLst>
-              <a:ext uri="{FF2B5EF4-FFF2-40B4-BE49-F238E27FC236}">
-                <a16:creationId xmlns:a16="http://schemas.microsoft.com/office/drawing/2014/main" id="{8C977DE7-1CF0-4DE9-9AFA-7A932D53CF08}"/>
-              </a:ext>
-            </a:extLst>
-          </p:cNvPr>
-          <p:cNvCxnSpPr/>
-          <p:nvPr/>
-        </p:nvCxnSpPr>
-        <p:spPr>
-          <a:xfrm>
-            <a:off x="3884644" y="5475018"/>
-            <a:ext cx="1660849" cy="0"/>
-          </a:xfrm>
-          <a:prstGeom prst="straightConnector1">
-            <a:avLst/>
-          </a:prstGeom>
-          <a:ln w="38100">
-            <a:solidFill>
-              <a:schemeClr val="tx1"/>
-            </a:solidFill>
-            <a:headEnd type="triangle"/>
-            <a:tailEnd type="triangle"/>
-          </a:ln>
-        </p:spPr>
-        <p:style>
-          <a:lnRef idx="1">
-            <a:schemeClr val="accent1"/>
-          </a:lnRef>
-          <a:fillRef idx="0">
-            <a:schemeClr val="accent1"/>
-          </a:fillRef>
-          <a:effectRef idx="0">
-            <a:schemeClr val="accent1"/>
-          </a:effectRef>
-          <a:fontRef idx="minor">
-            <a:schemeClr val="tx1"/>
-          </a:fontRef>
-        </p:style>
-      </p:cxnSp>
       <p:sp>
         <p:nvSpPr>
           <p:cNvPr id="31" name="Oval 30">
@@ -9757,6 +9672,141 @@
           </a:p>
         </p:txBody>
       </p:sp>
+      <p:grpSp>
+        <p:nvGrpSpPr>
+          <p:cNvPr id="5" name="Group 4">
+            <a:extLst>
+              <a:ext uri="{FF2B5EF4-FFF2-40B4-BE49-F238E27FC236}">
+                <a16:creationId xmlns:a16="http://schemas.microsoft.com/office/drawing/2014/main" id="{D8D8444E-D62B-429A-8E51-EA54C468AA05}"/>
+              </a:ext>
+            </a:extLst>
+          </p:cNvPr>
+          <p:cNvGrpSpPr/>
+          <p:nvPr/>
+        </p:nvGrpSpPr>
+        <p:grpSpPr>
+          <a:xfrm>
+            <a:off x="3884644" y="5042431"/>
+            <a:ext cx="1660849" cy="928068"/>
+            <a:chOff x="3884644" y="5042431"/>
+            <a:chExt cx="1660849" cy="928068"/>
+          </a:xfrm>
+        </p:grpSpPr>
+        <p:cxnSp>
+          <p:nvCxnSpPr>
+            <p:cNvPr id="24" name="Straight Arrow Connector 23">
+              <a:extLst>
+                <a:ext uri="{FF2B5EF4-FFF2-40B4-BE49-F238E27FC236}">
+                  <a16:creationId xmlns:a16="http://schemas.microsoft.com/office/drawing/2014/main" id="{8C977DE7-1CF0-4DE9-9AFA-7A932D53CF08}"/>
+                </a:ext>
+              </a:extLst>
+            </p:cNvPr>
+            <p:cNvCxnSpPr/>
+            <p:nvPr/>
+          </p:nvCxnSpPr>
+          <p:spPr>
+            <a:xfrm>
+              <a:off x="3884644" y="5475018"/>
+              <a:ext cx="1660849" cy="0"/>
+            </a:xfrm>
+            <a:prstGeom prst="straightConnector1">
+              <a:avLst/>
+            </a:prstGeom>
+            <a:ln w="38100">
+              <a:solidFill>
+                <a:schemeClr val="tx1"/>
+              </a:solidFill>
+              <a:headEnd type="triangle" w="med" len="med"/>
+              <a:tailEnd type="none" w="med" len="med"/>
+            </a:ln>
+          </p:spPr>
+          <p:style>
+            <a:lnRef idx="1">
+              <a:schemeClr val="accent1"/>
+            </a:lnRef>
+            <a:fillRef idx="0">
+              <a:schemeClr val="accent1"/>
+            </a:fillRef>
+            <a:effectRef idx="0">
+              <a:schemeClr val="accent1"/>
+            </a:effectRef>
+            <a:fontRef idx="minor">
+              <a:schemeClr val="tx1"/>
+            </a:fontRef>
+          </p:style>
+        </p:cxnSp>
+        <p:sp>
+          <p:nvSpPr>
+            <p:cNvPr id="25" name="TextBox 24">
+              <a:extLst>
+                <a:ext uri="{FF2B5EF4-FFF2-40B4-BE49-F238E27FC236}">
+                  <a16:creationId xmlns:a16="http://schemas.microsoft.com/office/drawing/2014/main" id="{9EEF33D7-AA82-436F-83D4-BC7248211218}"/>
+                </a:ext>
+              </a:extLst>
+            </p:cNvPr>
+            <p:cNvSpPr txBox="1"/>
+            <p:nvPr/>
+          </p:nvSpPr>
+          <p:spPr>
+            <a:xfrm>
+              <a:off x="4164220" y="5042431"/>
+              <a:ext cx="826765" cy="369332"/>
+            </a:xfrm>
+            <a:prstGeom prst="rect">
+              <a:avLst/>
+            </a:prstGeom>
+            <a:noFill/>
+          </p:spPr>
+          <p:txBody>
+            <a:bodyPr wrap="none" rtlCol="0">
+              <a:spAutoFit/>
+            </a:bodyPr>
+            <a:lstStyle/>
+            <a:p>
+              <a:r>
+                <a:rPr lang="de-DE" dirty="0"/>
+                <a:t>Payout</a:t>
+              </a:r>
+            </a:p>
+          </p:txBody>
+        </p:sp>
+        <p:sp>
+          <p:nvSpPr>
+            <p:cNvPr id="3" name="TextBox 2">
+              <a:extLst>
+                <a:ext uri="{FF2B5EF4-FFF2-40B4-BE49-F238E27FC236}">
+                  <a16:creationId xmlns:a16="http://schemas.microsoft.com/office/drawing/2014/main" id="{59D6B1DD-5CC5-4525-931D-27C8D5685B0B}"/>
+                </a:ext>
+              </a:extLst>
+            </p:cNvPr>
+            <p:cNvSpPr txBox="1"/>
+            <p:nvPr/>
+          </p:nvSpPr>
+          <p:spPr>
+            <a:xfrm>
+              <a:off x="4417654" y="5508834"/>
+              <a:ext cx="340158" cy="461665"/>
+            </a:xfrm>
+            <a:prstGeom prst="rect">
+              <a:avLst/>
+            </a:prstGeom>
+            <a:noFill/>
+          </p:spPr>
+          <p:txBody>
+            <a:bodyPr wrap="none" rtlCol="0">
+              <a:spAutoFit/>
+            </a:bodyPr>
+            <a:lstStyle/>
+            <a:p>
+              <a:r>
+                <a:rPr lang="de-DE" sz="2400" dirty="0"/>
+                <a:t>€</a:t>
+              </a:r>
+              <a:endParaRPr lang="de-DE" dirty="0"/>
+            </a:p>
+          </p:txBody>
+        </p:sp>
+      </p:grpSp>
     </p:spTree>
     <p:extLst>
       <p:ext uri="{BB962C8B-B14F-4D97-AF65-F5344CB8AC3E}">
@@ -10075,6 +10125,183 @@
       <p:bldP spid="40" grpId="0"/>
     </p:bldLst>
   </p:timing>
+</p:sld>
+</file>
+
+<file path=ppt/slides/slide9.xml><?xml version="1.0" encoding="utf-8"?>
+<p:sld xmlns:a="http://schemas.openxmlformats.org/drawingml/2006/main" xmlns:r="http://schemas.openxmlformats.org/officeDocument/2006/relationships" xmlns:p="http://schemas.openxmlformats.org/presentationml/2006/main">
+  <p:cSld>
+    <p:spTree>
+      <p:nvGrpSpPr>
+        <p:cNvPr id="1" name=""/>
+        <p:cNvGrpSpPr/>
+        <p:nvPr/>
+      </p:nvGrpSpPr>
+      <p:grpSpPr>
+        <a:xfrm>
+          <a:off x="0" y="0"/>
+          <a:ext cx="0" cy="0"/>
+          <a:chOff x="0" y="0"/>
+          <a:chExt cx="0" cy="0"/>
+        </a:xfrm>
+      </p:grpSpPr>
+      <p:pic>
+        <p:nvPicPr>
+          <p:cNvPr id="28" name="Picture Placeholder 27" descr="Abstract Building">
+            <a:extLst>
+              <a:ext uri="{FF2B5EF4-FFF2-40B4-BE49-F238E27FC236}">
+                <a16:creationId xmlns:a16="http://schemas.microsoft.com/office/drawing/2014/main" id="{CE10ABE1-BE78-4DEC-9C0A-46282D549DF0}"/>
+              </a:ext>
+            </a:extLst>
+          </p:cNvPr>
+          <p:cNvPicPr>
+            <a:picLocks noGrp="1" noChangeAspect="1"/>
+          </p:cNvPicPr>
+          <p:nvPr>
+            <p:ph type="pic" sz="quarter" idx="10"/>
+          </p:nvPr>
+        </p:nvPicPr>
+        <p:blipFill>
+          <a:blip r:embed="rId2">
+            <a:extLst>
+              <a:ext uri="{28A0092B-C50C-407E-A947-70E740481C1C}">
+                <a14:useLocalDpi xmlns:a14="http://schemas.microsoft.com/office/drawing/2010/main" val="0"/>
+              </a:ext>
+            </a:extLst>
+          </a:blip>
+          <a:srcRect/>
+          <a:stretch>
+            <a:fillRect/>
+          </a:stretch>
+        </p:blipFill>
+        <p:spPr>
+          <a:xfrm>
+            <a:off x="0" y="0"/>
+            <a:ext cx="12192000" cy="6858000"/>
+          </a:xfrm>
+        </p:spPr>
+      </p:pic>
+      <p:sp>
+        <p:nvSpPr>
+          <p:cNvPr id="5" name="Rectangle 4" descr="Accent block">
+            <a:extLst>
+              <a:ext uri="{FF2B5EF4-FFF2-40B4-BE49-F238E27FC236}">
+                <a16:creationId xmlns:a16="http://schemas.microsoft.com/office/drawing/2014/main" id="{979F9DAD-F6B0-4ECC-8632-4B5E050986A8}"/>
+              </a:ext>
+              <a:ext uri="{C183D7F6-B498-43B3-948B-1728B52AA6E4}">
+                <adec:decorative xmlns:adec="http://schemas.microsoft.com/office/drawing/2017/decorative" val="1"/>
+              </a:ext>
+            </a:extLst>
+          </p:cNvPr>
+          <p:cNvSpPr/>
+          <p:nvPr/>
+        </p:nvSpPr>
+        <p:spPr>
+          <a:xfrm>
+            <a:off x="0" y="0"/>
+            <a:ext cx="12192000" cy="6858000"/>
+          </a:xfrm>
+          <a:prstGeom prst="rect">
+            <a:avLst/>
+          </a:prstGeom>
+          <a:gradFill>
+            <a:gsLst>
+              <a:gs pos="0">
+                <a:schemeClr val="accent5">
+                  <a:lumMod val="75000"/>
+                  <a:lumOff val="25000"/>
+                  <a:alpha val="70000"/>
+                </a:schemeClr>
+              </a:gs>
+              <a:gs pos="100000">
+                <a:srgbClr val="E99757">
+                  <a:lumMod val="97000"/>
+                  <a:lumOff val="3000"/>
+                  <a:alpha val="70000"/>
+                </a:srgbClr>
+              </a:gs>
+              <a:gs pos="50000">
+                <a:srgbClr val="00B0F0">
+                  <a:alpha val="70000"/>
+                </a:srgbClr>
+              </a:gs>
+            </a:gsLst>
+            <a:lin ang="60000" scaled="0"/>
+          </a:gradFill>
+          <a:ln>
+            <a:noFill/>
+          </a:ln>
+        </p:spPr>
+        <p:style>
+          <a:lnRef idx="2">
+            <a:schemeClr val="accent1">
+              <a:shade val="50000"/>
+            </a:schemeClr>
+          </a:lnRef>
+          <a:fillRef idx="1">
+            <a:schemeClr val="accent1"/>
+          </a:fillRef>
+          <a:effectRef idx="0">
+            <a:schemeClr val="accent1"/>
+          </a:effectRef>
+          <a:fontRef idx="minor">
+            <a:schemeClr val="lt1"/>
+          </a:fontRef>
+        </p:style>
+        <p:txBody>
+          <a:bodyPr rtlCol="0" anchor="ctr"/>
+          <a:lstStyle/>
+          <a:p>
+            <a:pPr algn="ctr"/>
+            <a:endParaRPr lang="en-US" dirty="0"/>
+          </a:p>
+        </p:txBody>
+      </p:sp>
+      <p:sp>
+        <p:nvSpPr>
+          <p:cNvPr id="6" name="Title 5">
+            <a:extLst>
+              <a:ext uri="{FF2B5EF4-FFF2-40B4-BE49-F238E27FC236}">
+                <a16:creationId xmlns:a16="http://schemas.microsoft.com/office/drawing/2014/main" id="{4F7706BE-EF2E-459C-8778-01DDD354C634}"/>
+              </a:ext>
+            </a:extLst>
+          </p:cNvPr>
+          <p:cNvSpPr>
+            <a:spLocks noGrp="1"/>
+          </p:cNvSpPr>
+          <p:nvPr>
+            <p:ph type="title"/>
+          </p:nvPr>
+        </p:nvSpPr>
+        <p:spPr/>
+        <p:txBody>
+          <a:bodyPr>
+            <a:normAutofit fontScale="90000"/>
+          </a:bodyPr>
+          <a:lstStyle/>
+          <a:p>
+            <a:r>
+              <a:rPr lang="en-US" dirty="0"/>
+              <a:t>TECHNICAL DEMO</a:t>
+            </a:r>
+            <a:endParaRPr lang="en-US" dirty="0">
+              <a:solidFill>
+                <a:schemeClr val="bg1"/>
+              </a:solidFill>
+            </a:endParaRPr>
+          </a:p>
+        </p:txBody>
+      </p:sp>
+    </p:spTree>
+    <p:extLst>
+      <p:ext uri="{BB962C8B-B14F-4D97-AF65-F5344CB8AC3E}">
+        <p14:creationId xmlns:p14="http://schemas.microsoft.com/office/powerpoint/2010/main" val="3922932660"/>
+      </p:ext>
+    </p:extLst>
+  </p:cSld>
+  <p:clrMapOvr>
+    <a:masterClrMapping/>
+  </p:clrMapOvr>
 </p:sld>
 </file>
 
@@ -10973,6 +11200,15 @@
 </file>
 
 <file path=customXml/item2.xml><?xml version="1.0" encoding="utf-8"?>
+<p:properties xmlns:p="http://schemas.microsoft.com/office/2006/metadata/properties" xmlns:xsi="http://www.w3.org/2001/XMLSchema-instance" xmlns:pc="http://schemas.microsoft.com/office/infopath/2007/PartnerControls">
+  <documentManagement>
+    <_ip_UnifiedCompliancePolicyUIAction xmlns="http://schemas.microsoft.com/sharepoint/v3" xsi:nil="true"/>
+    <_ip_UnifiedCompliancePolicyProperties xmlns="http://schemas.microsoft.com/sharepoint/v3" xsi:nil="true"/>
+  </documentManagement>
+</p:properties>
+</file>
+
+<file path=customXml/item3.xml><?xml version="1.0" encoding="utf-8"?>
 <ct:contentTypeSchema xmlns:ct="http://schemas.microsoft.com/office/2006/metadata/contentType" xmlns:ma="http://schemas.microsoft.com/office/2006/metadata/properties/metaAttributes" ct:_="" ma:_="" ma:contentTypeName="Document" ma:contentTypeID="0x010100DEEA25CC0A0AC24199CDC46C25B8B0BC" ma:contentTypeVersion="9" ma:contentTypeDescription="Create a new document." ma:contentTypeScope="" ma:versionID="76e25e1730b4532ab1d5e5b131a96a5a">
   <xsd:schema xmlns:xsd="http://www.w3.org/2001/XMLSchema" xmlns:xs="http://www.w3.org/2001/XMLSchema" xmlns:p="http://schemas.microsoft.com/office/2006/metadata/properties" xmlns:ns1="http://schemas.microsoft.com/sharepoint/v3" xmlns:ns2="6dc4bcd6-49db-4c07-9060-8acfc67cef9f" xmlns:ns3="fb0879af-3eba-417a-a55a-ffe6dcd6ca77" targetNamespace="http://schemas.microsoft.com/office/2006/metadata/properties" ma:root="true" ma:fieldsID="ad1e9281a84c4949647088091c718de3" ns1:_="" ns2:_="" ns3:_="">
     <xsd:import namespace="http://schemas.microsoft.com/sharepoint/v3"/>
@@ -11174,15 +11410,6 @@
 </ct:contentTypeSchema>
 </file>
 
-<file path=customXml/item3.xml><?xml version="1.0" encoding="utf-8"?>
-<p:properties xmlns:p="http://schemas.microsoft.com/office/2006/metadata/properties" xmlns:xsi="http://www.w3.org/2001/XMLSchema-instance" xmlns:pc="http://schemas.microsoft.com/office/infopath/2007/PartnerControls">
-  <documentManagement>
-    <_ip_UnifiedCompliancePolicyUIAction xmlns="http://schemas.microsoft.com/sharepoint/v3" xsi:nil="true"/>
-    <_ip_UnifiedCompliancePolicyProperties xmlns="http://schemas.microsoft.com/sharepoint/v3" xsi:nil="true"/>
-  </documentManagement>
-</p:properties>
-</file>
-
 <file path=customXml/itemProps1.xml><?xml version="1.0" encoding="utf-8"?>
 <ds:datastoreItem xmlns:ds="http://schemas.openxmlformats.org/officeDocument/2006/customXml" ds:itemID="{1E58EF16-B055-4F34-8D7A-DD080B2C9F95}">
   <ds:schemaRefs>
@@ -11192,6 +11419,16 @@
 </file>
 
 <file path=customXml/itemProps2.xml><?xml version="1.0" encoding="utf-8"?>
+<ds:datastoreItem xmlns:ds="http://schemas.openxmlformats.org/officeDocument/2006/customXml" ds:itemID="{3BC7DF1B-6056-439C-A7E0-36C22B70ABF1}">
+  <ds:schemaRefs>
+    <ds:schemaRef ds:uri="http://schemas.microsoft.com/office/2006/metadata/properties"/>
+    <ds:schemaRef ds:uri="http://schemas.microsoft.com/office/infopath/2007/PartnerControls"/>
+    <ds:schemaRef ds:uri="http://schemas.microsoft.com/sharepoint/v3"/>
+  </ds:schemaRefs>
+</ds:datastoreItem>
+</file>
+
+<file path=customXml/itemProps3.xml><?xml version="1.0" encoding="utf-8"?>
 <ds:datastoreItem xmlns:ds="http://schemas.openxmlformats.org/officeDocument/2006/customXml" ds:itemID="{F63D0180-3F4E-4F9D-9380-9BB760D9E9BF}">
   <ds:schemaRefs>
     <ds:schemaRef ds:uri="http://schemas.microsoft.com/office/2006/metadata/contentType"/>
@@ -11209,14 +11446,4 @@
     <ds:schemaRef ds:uri="http://schemas.microsoft.com/internal/obd"/>
   </ds:schemaRefs>
 </ds:datastoreItem>
-</file>
-
-<file path=customXml/itemProps3.xml><?xml version="1.0" encoding="utf-8"?>
-<ds:datastoreItem xmlns:ds="http://schemas.openxmlformats.org/officeDocument/2006/customXml" ds:itemID="{3BC7DF1B-6056-439C-A7E0-36C22B70ABF1}">
-  <ds:schemaRefs>
-    <ds:schemaRef ds:uri="http://schemas.microsoft.com/office/2006/metadata/properties"/>
-    <ds:schemaRef ds:uri="http://schemas.microsoft.com/office/infopath/2007/PartnerControls"/>
-    <ds:schemaRef ds:uri="http://schemas.microsoft.com/sharepoint/v3"/>
-  </ds:schemaRefs>
-</ds:datastoreItem>
 </file>
--- a/hackathon-presentation.pptx
+++ b/hackathon-presentation.pptx
@@ -3428,7 +3428,7 @@
           </a:ln>
           <a:extLst>
             <a:ext uri="{C572A759-6A51-4108-AA02-DFA0A04FC94B}">
-              <ma14:wrappingTextBoxFlag xmlns="" xmlns:ma14="http://schemas.microsoft.com/office/mac/drawingml/2011/main" val="1"/>
+              <ma14:wrappingTextBoxFlag xmlns:ma14="http://schemas.microsoft.com/office/mac/drawingml/2011/main" xmlns="" val="1"/>
             </a:ext>
           </a:extLst>
         </p:spPr>
@@ -4535,7 +4535,7 @@
           </a:ln>
           <a:extLst>
             <a:ext uri="{C572A759-6A51-4108-AA02-DFA0A04FC94B}">
-              <ma14:wrappingTextBoxFlag xmlns="" xmlns:ma14="http://schemas.microsoft.com/office/mac/drawingml/2011/main" val="1"/>
+              <ma14:wrappingTextBoxFlag xmlns:ma14="http://schemas.microsoft.com/office/mac/drawingml/2011/main" xmlns="" val="1"/>
             </a:ext>
           </a:extLst>
         </p:spPr>
@@ -10080,6 +10080,51 @@
                                         </p:cTn>
                                         <p:tgtEl>
                                           <p:spTgt spid="39"/>
+                                        </p:tgtEl>
+                                        <p:attrNameLst>
+                                          <p:attrName>style.visibility</p:attrName>
+                                        </p:attrNameLst>
+                                      </p:cBhvr>
+                                      <p:to>
+                                        <p:strVal val="visible"/>
+                                      </p:to>
+                                    </p:set>
+                                  </p:childTnLst>
+                                </p:cTn>
+                              </p:par>
+                            </p:childTnLst>
+                          </p:cTn>
+                        </p:par>
+                      </p:childTnLst>
+                    </p:cTn>
+                  </p:par>
+                  <p:par>
+                    <p:cTn id="25" fill="hold">
+                      <p:stCondLst>
+                        <p:cond delay="indefinite"/>
+                      </p:stCondLst>
+                      <p:childTnLst>
+                        <p:par>
+                          <p:cTn id="26" fill="hold">
+                            <p:stCondLst>
+                              <p:cond delay="0"/>
+                            </p:stCondLst>
+                            <p:childTnLst>
+                              <p:par>
+                                <p:cTn id="27" presetID="1" presetClass="entr" presetSubtype="0" fill="hold" nodeType="clickEffect">
+                                  <p:stCondLst>
+                                    <p:cond delay="0"/>
+                                  </p:stCondLst>
+                                  <p:childTnLst>
+                                    <p:set>
+                                      <p:cBhvr>
+                                        <p:cTn id="28" dur="1" fill="hold">
+                                          <p:stCondLst>
+                                            <p:cond delay="0"/>
+                                          </p:stCondLst>
+                                        </p:cTn>
+                                        <p:tgtEl>
+                                          <p:spTgt spid="5"/>
                                         </p:tgtEl>
                                         <p:attrNameLst>
                                           <p:attrName>style.visibility</p:attrName>
@@ -11200,15 +11245,6 @@
 </file>
 
 <file path=customXml/item2.xml><?xml version="1.0" encoding="utf-8"?>
-<p:properties xmlns:p="http://schemas.microsoft.com/office/2006/metadata/properties" xmlns:xsi="http://www.w3.org/2001/XMLSchema-instance" xmlns:pc="http://schemas.microsoft.com/office/infopath/2007/PartnerControls">
-  <documentManagement>
-    <_ip_UnifiedCompliancePolicyUIAction xmlns="http://schemas.microsoft.com/sharepoint/v3" xsi:nil="true"/>
-    <_ip_UnifiedCompliancePolicyProperties xmlns="http://schemas.microsoft.com/sharepoint/v3" xsi:nil="true"/>
-  </documentManagement>
-</p:properties>
-</file>
-
-<file path=customXml/item3.xml><?xml version="1.0" encoding="utf-8"?>
 <ct:contentTypeSchema xmlns:ct="http://schemas.microsoft.com/office/2006/metadata/contentType" xmlns:ma="http://schemas.microsoft.com/office/2006/metadata/properties/metaAttributes" ct:_="" ma:_="" ma:contentTypeName="Document" ma:contentTypeID="0x010100DEEA25CC0A0AC24199CDC46C25B8B0BC" ma:contentTypeVersion="9" ma:contentTypeDescription="Create a new document." ma:contentTypeScope="" ma:versionID="76e25e1730b4532ab1d5e5b131a96a5a">
   <xsd:schema xmlns:xsd="http://www.w3.org/2001/XMLSchema" xmlns:xs="http://www.w3.org/2001/XMLSchema" xmlns:p="http://schemas.microsoft.com/office/2006/metadata/properties" xmlns:ns1="http://schemas.microsoft.com/sharepoint/v3" xmlns:ns2="6dc4bcd6-49db-4c07-9060-8acfc67cef9f" xmlns:ns3="fb0879af-3eba-417a-a55a-ffe6dcd6ca77" targetNamespace="http://schemas.microsoft.com/office/2006/metadata/properties" ma:root="true" ma:fieldsID="ad1e9281a84c4949647088091c718de3" ns1:_="" ns2:_="" ns3:_="">
     <xsd:import namespace="http://schemas.microsoft.com/sharepoint/v3"/>
@@ -11410,6 +11446,15 @@
 </ct:contentTypeSchema>
 </file>
 
+<file path=customXml/item3.xml><?xml version="1.0" encoding="utf-8"?>
+<p:properties xmlns:p="http://schemas.microsoft.com/office/2006/metadata/properties" xmlns:xsi="http://www.w3.org/2001/XMLSchema-instance" xmlns:pc="http://schemas.microsoft.com/office/infopath/2007/PartnerControls">
+  <documentManagement>
+    <_ip_UnifiedCompliancePolicyUIAction xmlns="http://schemas.microsoft.com/sharepoint/v3" xsi:nil="true"/>
+    <_ip_UnifiedCompliancePolicyProperties xmlns="http://schemas.microsoft.com/sharepoint/v3" xsi:nil="true"/>
+  </documentManagement>
+</p:properties>
+</file>
+
 <file path=customXml/itemProps1.xml><?xml version="1.0" encoding="utf-8"?>
 <ds:datastoreItem xmlns:ds="http://schemas.openxmlformats.org/officeDocument/2006/customXml" ds:itemID="{1E58EF16-B055-4F34-8D7A-DD080B2C9F95}">
   <ds:schemaRefs>
@@ -11419,16 +11464,6 @@
 </file>
 
 <file path=customXml/itemProps2.xml><?xml version="1.0" encoding="utf-8"?>
-<ds:datastoreItem xmlns:ds="http://schemas.openxmlformats.org/officeDocument/2006/customXml" ds:itemID="{3BC7DF1B-6056-439C-A7E0-36C22B70ABF1}">
-  <ds:schemaRefs>
-    <ds:schemaRef ds:uri="http://schemas.microsoft.com/office/2006/metadata/properties"/>
-    <ds:schemaRef ds:uri="http://schemas.microsoft.com/office/infopath/2007/PartnerControls"/>
-    <ds:schemaRef ds:uri="http://schemas.microsoft.com/sharepoint/v3"/>
-  </ds:schemaRefs>
-</ds:datastoreItem>
-</file>
-
-<file path=customXml/itemProps3.xml><?xml version="1.0" encoding="utf-8"?>
 <ds:datastoreItem xmlns:ds="http://schemas.openxmlformats.org/officeDocument/2006/customXml" ds:itemID="{F63D0180-3F4E-4F9D-9380-9BB760D9E9BF}">
   <ds:schemaRefs>
     <ds:schemaRef ds:uri="http://schemas.microsoft.com/office/2006/metadata/contentType"/>
@@ -11446,4 +11481,14 @@
     <ds:schemaRef ds:uri="http://schemas.microsoft.com/internal/obd"/>
   </ds:schemaRefs>
 </ds:datastoreItem>
+</file>
+
+<file path=customXml/itemProps3.xml><?xml version="1.0" encoding="utf-8"?>
+<ds:datastoreItem xmlns:ds="http://schemas.openxmlformats.org/officeDocument/2006/customXml" ds:itemID="{3BC7DF1B-6056-439C-A7E0-36C22B70ABF1}">
+  <ds:schemaRefs>
+    <ds:schemaRef ds:uri="http://schemas.microsoft.com/office/2006/metadata/properties"/>
+    <ds:schemaRef ds:uri="http://schemas.microsoft.com/office/infopath/2007/PartnerControls"/>
+    <ds:schemaRef ds:uri="http://schemas.microsoft.com/sharepoint/v3"/>
+  </ds:schemaRefs>
+</ds:datastoreItem>
 </file>